--- a/Mariia Kryzhalko/HW5.pptx
+++ b/Mariia Kryzhalko/HW5.pptx
@@ -5,10 +5,10 @@
     <p:sldMasterId id="2147483648" r:id="rId1"/>
   </p:sldMasterIdLst>
   <p:notesMasterIdLst>
-    <p:notesMasterId r:id="rId8"/>
+    <p:notesMasterId r:id="rId9"/>
   </p:notesMasterIdLst>
   <p:handoutMasterIdLst>
-    <p:handoutMasterId r:id="rId9"/>
+    <p:handoutMasterId r:id="rId10"/>
   </p:handoutMasterIdLst>
   <p:sldIdLst>
     <p:sldId id="577" r:id="rId2"/>
@@ -16,7 +16,8 @@
     <p:sldId id="580" r:id="rId4"/>
     <p:sldId id="582" r:id="rId5"/>
     <p:sldId id="581" r:id="rId6"/>
-    <p:sldId id="584" r:id="rId7"/>
+    <p:sldId id="586" r:id="rId7"/>
+    <p:sldId id="584" r:id="rId8"/>
   </p:sldIdLst>
   <p:sldSz cx="9144000" cy="6858000" type="screen4x3"/>
   <p:notesSz cx="7010400" cy="9296400"/>
@@ -230,7 +231,7 @@
           <a:p>
             <a:fld id="{AEDB6DF3-FA61-45CB-BE27-053A00556DB1}" type="datetimeFigureOut">
               <a:rPr lang="en-US" smtClean="0"/>
-              <a:t>1/27/2016</a:t>
+              <a:t>1/30/2016</a:t>
             </a:fld>
             <a:endParaRPr lang="en-US"/>
           </a:p>
@@ -401,7 +402,7 @@
             <a:fld id="{F89C4D45-EFF8-479D-AF6F-9BB9BF232254}" type="datetimeFigureOut">
               <a:rPr lang="en-US" smtClean="0"/>
               <a:pPr/>
-              <a:t>1/27/2016</a:t>
+              <a:t>1/30/2016</a:t>
             </a:fld>
             <a:endParaRPr lang="en-US"/>
           </a:p>
@@ -4915,7 +4916,7 @@
             <p:ph idx="11"/>
             <p:extLst>
               <p:ext uri="{D42A27DB-BD31-4B8C-83A1-F6EECF244321}">
-                <p14:modId xmlns:p14="http://schemas.microsoft.com/office/powerpoint/2010/main" val="3711639485"/>
+                <p14:modId xmlns:p14="http://schemas.microsoft.com/office/powerpoint/2010/main" val="4006800823"/>
               </p:ext>
             </p:extLst>
           </p:nvPr>
@@ -4931,10 +4932,10 @@
                 <a:tableStyleId>{5C22544A-7EE6-4342-B048-85BDC9FD1C3A}</a:tableStyleId>
               </a:tblPr>
               <a:tblGrid>
-                <a:gridCol w="721991"/>
-                <a:gridCol w="2584074"/>
-                <a:gridCol w="2827137"/>
-                <a:gridCol w="2209800"/>
+                <a:gridCol w="1293602"/>
+                <a:gridCol w="2438400"/>
+                <a:gridCol w="2438400"/>
+                <a:gridCol w="2172600"/>
               </a:tblGrid>
               <a:tr h="376072">
                 <a:tc>
@@ -5173,7 +5174,7 @@
                       </a:endParaRPr>
                     </a:p>
                     <a:p>
-                      <a:pPr algn="r">
+                      <a:pPr algn="ctr">
                         <a:lnSpc>
                           <a:spcPct val="107000"/>
                         </a:lnSpc>
@@ -5191,19 +5192,7 @@
                           <a:ea typeface="Segoe UI" panose="020B0502040204020203" pitchFamily="34" charset="0"/>
                           <a:cs typeface="Segoe UI" panose="020B0502040204020203" pitchFamily="34" charset="0"/>
                         </a:rPr>
-                        <a:t>-</a:t>
-                      </a:r>
-                      <a:r>
-                        <a:rPr lang="en-US" sz="1200" b="0" dirty="0">
-                          <a:solidFill>
-                            <a:schemeClr val="tx1"/>
-                          </a:solidFill>
-                          <a:effectLst/>
-                          <a:latin typeface="Segoe UI" panose="020B0502040204020203" pitchFamily="34" charset="0"/>
-                          <a:ea typeface="Segoe UI" panose="020B0502040204020203" pitchFamily="34" charset="0"/>
-                          <a:cs typeface="Segoe UI" panose="020B0502040204020203" pitchFamily="34" charset="0"/>
-                        </a:rPr>
-                        <a:t>1</a:t>
+                        <a:t>-45                   -1</a:t>
                       </a:r>
                       <a:endParaRPr lang="uk-UA" sz="1200" b="0" dirty="0">
                         <a:solidFill>
@@ -5261,7 +5250,7 @@
                           <a:ea typeface="Segoe UI" panose="020B0502040204020203" pitchFamily="34" charset="0"/>
                           <a:cs typeface="Segoe UI" panose="020B0502040204020203" pitchFamily="34" charset="0"/>
                         </a:rPr>
-                        <a:t>0                 52                       </a:t>
+                        <a:t>0                     52                        </a:t>
                       </a:r>
                       <a:r>
                         <a:rPr lang="en-US" sz="1200" dirty="0">
@@ -5325,7 +5314,7 @@
                           <a:ea typeface="Segoe UI" panose="020B0502040204020203" pitchFamily="34" charset="0"/>
                           <a:cs typeface="Segoe UI" panose="020B0502040204020203" pitchFamily="34" charset="0"/>
                         </a:rPr>
-                        <a:t>100                  436                  600</a:t>
+                        <a:t>100                 436                   600</a:t>
                       </a:r>
                       <a:endParaRPr lang="uk-UA" sz="1200" dirty="0">
                         <a:effectLst/>
@@ -5380,7 +5369,7 @@
                           <a:ea typeface="Segoe UI" panose="020B0502040204020203" pitchFamily="34" charset="0"/>
                           <a:cs typeface="Segoe UI" panose="020B0502040204020203" pitchFamily="34" charset="0"/>
                         </a:rPr>
-                        <a:t>601                            781</a:t>
+                        <a:t>601                                     781</a:t>
                       </a:r>
                       <a:endParaRPr lang="uk-UA" sz="1200" dirty="0">
                         <a:effectLst/>
@@ -5843,7 +5832,7 @@
             </a:pPr>
             <a:r>
               <a:rPr lang="en-US" sz="1200" dirty="0" smtClean="0"/>
-              <a:t>     According to Equivalence Partitioning we check following values: 52, 436, 781.</a:t>
+              <a:t>     According to Equivalence Partitioning we check following values: -45, 52, 436, 781.</a:t>
             </a:r>
           </a:p>
           <a:p>
@@ -10820,6 +10809,200 @@
 </file>
 
 <file path=ppt/slides/slide6.xml><?xml version="1.0" encoding="utf-8"?>
+<p:sld xmlns:a="http://schemas.openxmlformats.org/drawingml/2006/main" xmlns:r="http://schemas.openxmlformats.org/officeDocument/2006/relationships" xmlns:p="http://schemas.openxmlformats.org/presentationml/2006/main">
+  <p:cSld>
+    <p:spTree>
+      <p:nvGrpSpPr>
+        <p:cNvPr id="1" name=""/>
+        <p:cNvGrpSpPr/>
+        <p:nvPr/>
+      </p:nvGrpSpPr>
+      <p:grpSpPr>
+        <a:xfrm>
+          <a:off x="0" y="0"/>
+          <a:ext cx="0" cy="0"/>
+          <a:chOff x="0" y="0"/>
+          <a:chExt cx="0" cy="0"/>
+        </a:xfrm>
+      </p:grpSpPr>
+      <p:sp>
+        <p:nvSpPr>
+          <p:cNvPr id="2" name="Объект 1"/>
+          <p:cNvSpPr>
+            <a:spLocks noGrp="1"/>
+          </p:cNvSpPr>
+          <p:nvPr>
+            <p:ph idx="1"/>
+          </p:nvPr>
+        </p:nvSpPr>
+        <p:spPr>
+          <a:xfrm>
+            <a:off x="228600" y="914400"/>
+            <a:ext cx="8229600" cy="5059363"/>
+          </a:xfrm>
+        </p:spPr>
+        <p:txBody>
+          <a:bodyPr>
+            <a:normAutofit/>
+          </a:bodyPr>
+          <a:lstStyle/>
+          <a:p>
+            <a:pPr marL="514350" indent="-514350">
+              <a:lnSpc>
+                <a:spcPct val="150000"/>
+              </a:lnSpc>
+              <a:buFont typeface="+mj-lt"/>
+              <a:buAutoNum type="arabicPeriod"/>
+            </a:pPr>
+            <a:r>
+              <a:rPr lang="en-US" sz="1200" dirty="0"/>
+              <a:t>Verify if user can successfully order goods on web-store when ordering procedure performed correctly and all entered data is </a:t>
+            </a:r>
+            <a:r>
+              <a:rPr lang="en-US" sz="1200" dirty="0" smtClean="0"/>
+              <a:t>valid.</a:t>
+            </a:r>
+          </a:p>
+          <a:p>
+            <a:pPr marL="514350" indent="-514350">
+              <a:lnSpc>
+                <a:spcPct val="150000"/>
+              </a:lnSpc>
+              <a:buFont typeface="+mj-lt"/>
+              <a:buAutoNum type="arabicPeriod"/>
+            </a:pPr>
+            <a:r>
+              <a:rPr lang="en-US" sz="1200" dirty="0"/>
+              <a:t>Verify error message when one/more selected goods are not </a:t>
+            </a:r>
+            <a:r>
+              <a:rPr lang="en-US" sz="1200" dirty="0" smtClean="0"/>
+              <a:t>available.</a:t>
+            </a:r>
+          </a:p>
+          <a:p>
+            <a:pPr marL="514350" indent="-514350">
+              <a:lnSpc>
+                <a:spcPct val="150000"/>
+              </a:lnSpc>
+              <a:buFont typeface="+mj-lt"/>
+              <a:buAutoNum type="arabicPeriod"/>
+            </a:pPr>
+            <a:r>
+              <a:rPr lang="en-US" sz="1200" dirty="0"/>
+              <a:t>Verify system behavior when user rejects going to shopping </a:t>
+            </a:r>
+            <a:r>
+              <a:rPr lang="en-US" sz="1200" dirty="0" smtClean="0"/>
+              <a:t>cart.</a:t>
+            </a:r>
+          </a:p>
+          <a:p>
+            <a:pPr marL="514350" indent="-514350">
+              <a:lnSpc>
+                <a:spcPct val="150000"/>
+              </a:lnSpc>
+              <a:buFont typeface="+mj-lt"/>
+              <a:buAutoNum type="arabicPeriod"/>
+            </a:pPr>
+            <a:r>
+              <a:rPr lang="en-US" sz="1200" dirty="0"/>
+              <a:t>Verify error message when some entered data into ‘Cart’ form is </a:t>
+            </a:r>
+            <a:r>
+              <a:rPr lang="en-US" sz="1200" dirty="0" smtClean="0"/>
+              <a:t>incorrect.</a:t>
+            </a:r>
+          </a:p>
+          <a:p>
+            <a:pPr marL="514350" indent="-514350">
+              <a:lnSpc>
+                <a:spcPct val="150000"/>
+              </a:lnSpc>
+              <a:buFont typeface="+mj-lt"/>
+              <a:buAutoNum type="arabicPeriod"/>
+            </a:pPr>
+            <a:r>
+              <a:rPr lang="en-US" sz="1200" dirty="0"/>
+              <a:t>Verify if message with order info is not sent on users phone when entered address is invalid or </a:t>
+            </a:r>
+            <a:r>
+              <a:rPr lang="en-US" sz="1200" dirty="0" smtClean="0"/>
+              <a:t>address </a:t>
+            </a:r>
+            <a:r>
+              <a:rPr lang="en-US" sz="1200" dirty="0"/>
+              <a:t>field is </a:t>
+            </a:r>
+            <a:r>
+              <a:rPr lang="en-US" sz="1200" dirty="0" smtClean="0"/>
+              <a:t>empty.</a:t>
+            </a:r>
+            <a:endParaRPr lang="uk-UA" sz="1200" dirty="0"/>
+          </a:p>
+        </p:txBody>
+      </p:sp>
+      <p:sp>
+        <p:nvSpPr>
+          <p:cNvPr id="3" name="Заголовок 2"/>
+          <p:cNvSpPr>
+            <a:spLocks noGrp="1"/>
+          </p:cNvSpPr>
+          <p:nvPr>
+            <p:ph type="title"/>
+          </p:nvPr>
+        </p:nvSpPr>
+        <p:spPr/>
+        <p:txBody>
+          <a:bodyPr/>
+          <a:lstStyle/>
+          <a:p>
+            <a:r>
+              <a:rPr lang="en-US" dirty="0" smtClean="0"/>
+              <a:t>Test cases</a:t>
+            </a:r>
+            <a:endParaRPr lang="uk-UA" dirty="0"/>
+          </a:p>
+        </p:txBody>
+      </p:sp>
+      <p:sp>
+        <p:nvSpPr>
+          <p:cNvPr id="4" name="Номер слайда 3"/>
+          <p:cNvSpPr>
+            <a:spLocks noGrp="1"/>
+          </p:cNvSpPr>
+          <p:nvPr>
+            <p:ph type="sldNum" sz="quarter" idx="4"/>
+          </p:nvPr>
+        </p:nvSpPr>
+        <p:spPr/>
+        <p:txBody>
+          <a:bodyPr/>
+          <a:lstStyle/>
+          <a:p>
+            <a:fld id="{AD53D713-3284-4C71-8174-D6528838EBFD}" type="slidenum">
+              <a:rPr lang="uk-UA" smtClean="0"/>
+              <a:pPr/>
+              <a:t>6</a:t>
+            </a:fld>
+            <a:endParaRPr lang="uk-UA"/>
+          </a:p>
+        </p:txBody>
+      </p:sp>
+    </p:spTree>
+    <p:extLst>
+      <p:ext uri="{BB962C8B-B14F-4D97-AF65-F5344CB8AC3E}">
+        <p14:creationId xmlns:p14="http://schemas.microsoft.com/office/powerpoint/2010/main" val="2384514070"/>
+      </p:ext>
+    </p:extLst>
+  </p:cSld>
+  <p:clrMapOvr>
+    <a:masterClrMapping/>
+  </p:clrMapOvr>
+</p:sld>
+</file>
+
+<file path=ppt/slides/slide7.xml><?xml version="1.0" encoding="utf-8"?>
 <p:sld xmlns:a="http://schemas.openxmlformats.org/drawingml/2006/main" xmlns:r="http://schemas.openxmlformats.org/officeDocument/2006/relationships" xmlns:p="http://schemas.openxmlformats.org/presentationml/2006/main">
   <p:cSld>
     <p:spTree>

--- a/Mariia Kryzhalko/HW5.pptx
+++ b/Mariia Kryzhalko/HW5.pptx
@@ -5,19 +5,20 @@
     <p:sldMasterId id="2147483648" r:id="rId1"/>
   </p:sldMasterIdLst>
   <p:notesMasterIdLst>
-    <p:notesMasterId r:id="rId9"/>
+    <p:notesMasterId r:id="rId10"/>
   </p:notesMasterIdLst>
   <p:handoutMasterIdLst>
-    <p:handoutMasterId r:id="rId10"/>
+    <p:handoutMasterId r:id="rId11"/>
   </p:handoutMasterIdLst>
   <p:sldIdLst>
     <p:sldId id="577" r:id="rId2"/>
     <p:sldId id="585" r:id="rId3"/>
     <p:sldId id="580" r:id="rId4"/>
     <p:sldId id="582" r:id="rId5"/>
-    <p:sldId id="581" r:id="rId6"/>
-    <p:sldId id="586" r:id="rId7"/>
-    <p:sldId id="584" r:id="rId8"/>
+    <p:sldId id="587" r:id="rId6"/>
+    <p:sldId id="581" r:id="rId7"/>
+    <p:sldId id="586" r:id="rId8"/>
+    <p:sldId id="584" r:id="rId9"/>
   </p:sldIdLst>
   <p:sldSz cx="9144000" cy="6858000" type="screen4x3"/>
   <p:notesSz cx="7010400" cy="9296400"/>
@@ -231,7 +232,7 @@
           <a:p>
             <a:fld id="{AEDB6DF3-FA61-45CB-BE27-053A00556DB1}" type="datetimeFigureOut">
               <a:rPr lang="en-US" smtClean="0"/>
-              <a:t>1/30/2016</a:t>
+              <a:t>3/3/2016</a:t>
             </a:fld>
             <a:endParaRPr lang="en-US"/>
           </a:p>
@@ -402,7 +403,7 @@
             <a:fld id="{F89C4D45-EFF8-479D-AF6F-9BB9BF232254}" type="datetimeFigureOut">
               <a:rPr lang="en-US" smtClean="0"/>
               <a:pPr/>
-              <a:t>1/30/2016</a:t>
+              <a:t>3/3/2016</a:t>
             </a:fld>
             <a:endParaRPr lang="en-US"/>
           </a:p>
@@ -9454,6 +9455,667 @@
       </p:grpSpPr>
       <p:sp>
         <p:nvSpPr>
+          <p:cNvPr id="2" name="Объект 1"/>
+          <p:cNvSpPr>
+            <a:spLocks noGrp="1"/>
+          </p:cNvSpPr>
+          <p:nvPr>
+            <p:ph idx="1"/>
+          </p:nvPr>
+        </p:nvSpPr>
+        <p:spPr>
+          <a:xfrm>
+            <a:off x="228600" y="914400"/>
+            <a:ext cx="8709000" cy="5410200"/>
+          </a:xfrm>
+        </p:spPr>
+        <p:txBody>
+          <a:bodyPr>
+            <a:normAutofit/>
+          </a:bodyPr>
+          <a:lstStyle/>
+          <a:p>
+            <a:pPr marL="514350" indent="-514350">
+              <a:lnSpc>
+                <a:spcPct val="150000"/>
+              </a:lnSpc>
+              <a:buAutoNum type="arabicPeriod"/>
+            </a:pPr>
+            <a:r>
+              <a:rPr lang="en-US" sz="1200" dirty="0" smtClean="0"/>
+              <a:t>Verify that</a:t>
+            </a:r>
+            <a:r>
+              <a:rPr lang="uk-UA" sz="1200" dirty="0" smtClean="0"/>
+              <a:t> </a:t>
+            </a:r>
+            <a:r>
+              <a:rPr lang="en-US" sz="1200" dirty="0" smtClean="0"/>
+              <a:t>new client who have</a:t>
+            </a:r>
+            <a:r>
+              <a:rPr lang="uk-UA" sz="1200" dirty="0" smtClean="0"/>
+              <a:t> </a:t>
+            </a:r>
+            <a:r>
+              <a:rPr lang="uk-UA" sz="1200" dirty="0" err="1"/>
+              <a:t>discount</a:t>
+            </a:r>
+            <a:r>
+              <a:rPr lang="uk-UA" sz="1200" dirty="0"/>
+              <a:t> </a:t>
+            </a:r>
+            <a:r>
+              <a:rPr lang="uk-UA" sz="1200" dirty="0" err="1"/>
+              <a:t>card</a:t>
+            </a:r>
+            <a:r>
+              <a:rPr lang="uk-UA" sz="1200" dirty="0"/>
+              <a:t> </a:t>
+            </a:r>
+            <a:r>
+              <a:rPr lang="en-US" sz="1200" dirty="0" smtClean="0"/>
+              <a:t>with less</a:t>
+            </a:r>
+            <a:r>
+              <a:rPr lang="uk-UA" sz="1200" dirty="0" smtClean="0"/>
+              <a:t> </a:t>
+            </a:r>
+            <a:r>
+              <a:rPr lang="uk-UA" sz="1200" dirty="0" err="1"/>
+              <a:t>than</a:t>
+            </a:r>
+            <a:r>
+              <a:rPr lang="uk-UA" sz="1200" dirty="0"/>
+              <a:t> 5 000 </a:t>
+            </a:r>
+            <a:r>
+              <a:rPr lang="uk-UA" sz="1200" dirty="0" err="1"/>
+              <a:t>points</a:t>
+            </a:r>
+            <a:r>
+              <a:rPr lang="uk-UA" sz="1200" dirty="0"/>
+              <a:t> </a:t>
+            </a:r>
+            <a:r>
+              <a:rPr lang="en-US" sz="1200" dirty="0" smtClean="0"/>
+              <a:t>will not</a:t>
+            </a:r>
+            <a:r>
+              <a:rPr lang="uk-UA" sz="1200" dirty="0" smtClean="0"/>
+              <a:t> </a:t>
+            </a:r>
+            <a:r>
+              <a:rPr lang="uk-UA" sz="1200" dirty="0" err="1"/>
+              <a:t>get</a:t>
+            </a:r>
+            <a:r>
+              <a:rPr lang="uk-UA" sz="1200" dirty="0"/>
+              <a:t> </a:t>
+            </a:r>
+            <a:r>
+              <a:rPr lang="en-US" sz="1200" dirty="0" smtClean="0"/>
+              <a:t> a </a:t>
+            </a:r>
+            <a:r>
+              <a:rPr lang="uk-UA" sz="1200" dirty="0" err="1" smtClean="0"/>
+              <a:t>discount</a:t>
+            </a:r>
+            <a:r>
+              <a:rPr lang="en-US" sz="1200" dirty="0" smtClean="0"/>
+              <a:t>.</a:t>
+            </a:r>
+          </a:p>
+          <a:p>
+            <a:pPr marL="514350" indent="-514350">
+              <a:lnSpc>
+                <a:spcPct val="150000"/>
+              </a:lnSpc>
+              <a:buFont typeface="Arial" panose="020B0604020202020204" pitchFamily="34" charset="0"/>
+              <a:buAutoNum type="arabicPeriod"/>
+            </a:pPr>
+            <a:r>
+              <a:rPr lang="en-US" sz="1200" dirty="0"/>
+              <a:t>Verify that</a:t>
+            </a:r>
+            <a:r>
+              <a:rPr lang="uk-UA" sz="1200" dirty="0"/>
+              <a:t> </a:t>
+            </a:r>
+            <a:r>
+              <a:rPr lang="en-US" sz="1200" dirty="0"/>
+              <a:t>new client who have</a:t>
+            </a:r>
+            <a:r>
+              <a:rPr lang="uk-UA" sz="1200" dirty="0"/>
+              <a:t> </a:t>
+            </a:r>
+            <a:r>
+              <a:rPr lang="uk-UA" sz="1200" dirty="0" err="1"/>
+              <a:t>discount</a:t>
+            </a:r>
+            <a:r>
+              <a:rPr lang="uk-UA" sz="1200" dirty="0"/>
+              <a:t> </a:t>
+            </a:r>
+            <a:r>
+              <a:rPr lang="uk-UA" sz="1200" dirty="0" err="1"/>
+              <a:t>card</a:t>
+            </a:r>
+            <a:r>
+              <a:rPr lang="uk-UA" sz="1200" dirty="0"/>
+              <a:t> </a:t>
+            </a:r>
+            <a:r>
+              <a:rPr lang="en-US" sz="1200" dirty="0"/>
+              <a:t>with less</a:t>
+            </a:r>
+            <a:r>
+              <a:rPr lang="uk-UA" sz="1200" dirty="0"/>
+              <a:t> </a:t>
+            </a:r>
+            <a:r>
+              <a:rPr lang="uk-UA" sz="1200" dirty="0" err="1"/>
+              <a:t>than</a:t>
+            </a:r>
+            <a:r>
+              <a:rPr lang="uk-UA" sz="1200" dirty="0"/>
+              <a:t> 5 000 </a:t>
+            </a:r>
+            <a:r>
+              <a:rPr lang="uk-UA" sz="1200" dirty="0" err="1"/>
+              <a:t>points</a:t>
+            </a:r>
+            <a:r>
+              <a:rPr lang="uk-UA" sz="1200" dirty="0"/>
+              <a:t> </a:t>
+            </a:r>
+            <a:r>
+              <a:rPr lang="en-US" sz="1200" dirty="0" smtClean="0"/>
+              <a:t>and gift coupon will</a:t>
+            </a:r>
+            <a:r>
+              <a:rPr lang="uk-UA" sz="1200" dirty="0" smtClean="0"/>
+              <a:t> </a:t>
+            </a:r>
+            <a:r>
+              <a:rPr lang="uk-UA" sz="1200" dirty="0" err="1"/>
+              <a:t>get</a:t>
+            </a:r>
+            <a:r>
+              <a:rPr lang="uk-UA" sz="1200" dirty="0"/>
+              <a:t> </a:t>
+            </a:r>
+            <a:r>
+              <a:rPr lang="en-US" sz="1200" dirty="0" smtClean="0"/>
+              <a:t>25% </a:t>
+            </a:r>
+            <a:r>
+              <a:rPr lang="uk-UA" sz="1200" dirty="0" err="1"/>
+              <a:t>discount</a:t>
+            </a:r>
+            <a:r>
+              <a:rPr lang="en-US" sz="1200" dirty="0" smtClean="0"/>
+              <a:t>.</a:t>
+            </a:r>
+          </a:p>
+          <a:p>
+            <a:pPr marL="514350" indent="-514350">
+              <a:lnSpc>
+                <a:spcPct val="150000"/>
+              </a:lnSpc>
+              <a:buFont typeface="Arial" panose="020B0604020202020204" pitchFamily="34" charset="0"/>
+              <a:buAutoNum type="arabicPeriod"/>
+            </a:pPr>
+            <a:r>
+              <a:rPr lang="en-US" sz="1200" dirty="0"/>
+              <a:t>Verify that</a:t>
+            </a:r>
+            <a:r>
+              <a:rPr lang="uk-UA" sz="1200" dirty="0"/>
+              <a:t> </a:t>
+            </a:r>
+            <a:r>
+              <a:rPr lang="en-US" sz="1200" dirty="0" smtClean="0"/>
+              <a:t>client </a:t>
+            </a:r>
+            <a:r>
+              <a:rPr lang="en-US" sz="1200" dirty="0"/>
+              <a:t>who have</a:t>
+            </a:r>
+            <a:r>
+              <a:rPr lang="uk-UA" sz="1200" dirty="0"/>
+              <a:t> </a:t>
+            </a:r>
+            <a:r>
+              <a:rPr lang="uk-UA" sz="1200" dirty="0" err="1"/>
+              <a:t>discount</a:t>
+            </a:r>
+            <a:r>
+              <a:rPr lang="uk-UA" sz="1200" dirty="0"/>
+              <a:t> </a:t>
+            </a:r>
+            <a:r>
+              <a:rPr lang="uk-UA" sz="1200" dirty="0" err="1"/>
+              <a:t>card</a:t>
+            </a:r>
+            <a:r>
+              <a:rPr lang="uk-UA" sz="1200" dirty="0"/>
+              <a:t> </a:t>
+            </a:r>
+            <a:r>
+              <a:rPr lang="en-US" sz="1200" dirty="0"/>
+              <a:t>with </a:t>
+            </a:r>
+            <a:r>
+              <a:rPr lang="en-US" sz="1200" dirty="0" smtClean="0"/>
+              <a:t>more</a:t>
+            </a:r>
+            <a:r>
+              <a:rPr lang="uk-UA" sz="1200" dirty="0" smtClean="0"/>
+              <a:t> </a:t>
+            </a:r>
+            <a:r>
+              <a:rPr lang="uk-UA" sz="1200" dirty="0" err="1"/>
+              <a:t>than</a:t>
+            </a:r>
+            <a:r>
+              <a:rPr lang="uk-UA" sz="1200" dirty="0"/>
+              <a:t> 5 000 </a:t>
+            </a:r>
+            <a:r>
+              <a:rPr lang="uk-UA" sz="1200" dirty="0" err="1"/>
+              <a:t>points</a:t>
+            </a:r>
+            <a:r>
+              <a:rPr lang="uk-UA" sz="1200" dirty="0"/>
+              <a:t> </a:t>
+            </a:r>
+            <a:r>
+              <a:rPr lang="en-US" sz="1200" dirty="0"/>
+              <a:t>and gift coupon will</a:t>
+            </a:r>
+            <a:r>
+              <a:rPr lang="uk-UA" sz="1200" dirty="0"/>
+              <a:t> </a:t>
+            </a:r>
+            <a:r>
+              <a:rPr lang="uk-UA" sz="1200" dirty="0" err="1"/>
+              <a:t>get</a:t>
+            </a:r>
+            <a:r>
+              <a:rPr lang="uk-UA" sz="1200" dirty="0"/>
+              <a:t> </a:t>
+            </a:r>
+            <a:r>
+              <a:rPr lang="en-US" sz="1200" dirty="0" smtClean="0"/>
+              <a:t>25% </a:t>
+            </a:r>
+            <a:r>
+              <a:rPr lang="uk-UA" sz="1200" dirty="0" err="1"/>
+              <a:t>discount</a:t>
+            </a:r>
+            <a:r>
+              <a:rPr lang="en-US" sz="1200" dirty="0" smtClean="0"/>
+              <a:t>.</a:t>
+            </a:r>
+          </a:p>
+          <a:p>
+            <a:pPr marL="514350" indent="-514350">
+              <a:lnSpc>
+                <a:spcPct val="150000"/>
+              </a:lnSpc>
+              <a:buFont typeface="Arial" panose="020B0604020202020204" pitchFamily="34" charset="0"/>
+              <a:buAutoNum type="arabicPeriod"/>
+            </a:pPr>
+            <a:r>
+              <a:rPr lang="en-US" sz="1200" dirty="0"/>
+              <a:t>Verify that</a:t>
+            </a:r>
+            <a:r>
+              <a:rPr lang="uk-UA" sz="1200" dirty="0"/>
+              <a:t> </a:t>
+            </a:r>
+            <a:r>
+              <a:rPr lang="en-US" sz="1200" dirty="0"/>
+              <a:t>client who </a:t>
+            </a:r>
+            <a:r>
+              <a:rPr lang="en-US" sz="1200" dirty="0" smtClean="0"/>
+              <a:t>have no</a:t>
+            </a:r>
+            <a:r>
+              <a:rPr lang="uk-UA" sz="1200" dirty="0" smtClean="0"/>
+              <a:t> </a:t>
+            </a:r>
+            <a:r>
+              <a:rPr lang="en-US" sz="1200" dirty="0" smtClean="0"/>
+              <a:t>any </a:t>
+            </a:r>
+            <a:r>
+              <a:rPr lang="uk-UA" sz="1200" dirty="0" err="1" smtClean="0"/>
+              <a:t>discount</a:t>
+            </a:r>
+            <a:r>
+              <a:rPr lang="uk-UA" sz="1200" dirty="0" smtClean="0"/>
+              <a:t> </a:t>
+            </a:r>
+            <a:r>
+              <a:rPr lang="uk-UA" sz="1200" dirty="0" err="1"/>
+              <a:t>card</a:t>
+            </a:r>
+            <a:r>
+              <a:rPr lang="uk-UA" sz="1200" dirty="0"/>
+              <a:t> </a:t>
+            </a:r>
+            <a:r>
+              <a:rPr lang="en-US" sz="1200" dirty="0" smtClean="0"/>
+              <a:t>but have gift </a:t>
+            </a:r>
+            <a:r>
+              <a:rPr lang="en-US" sz="1200" dirty="0"/>
+              <a:t>coupon will</a:t>
+            </a:r>
+            <a:r>
+              <a:rPr lang="uk-UA" sz="1200" dirty="0"/>
+              <a:t> </a:t>
+            </a:r>
+            <a:r>
+              <a:rPr lang="uk-UA" sz="1200" dirty="0" err="1"/>
+              <a:t>get</a:t>
+            </a:r>
+            <a:r>
+              <a:rPr lang="uk-UA" sz="1200" dirty="0"/>
+              <a:t> </a:t>
+            </a:r>
+            <a:r>
+              <a:rPr lang="en-US" sz="1200" dirty="0"/>
+              <a:t>25% </a:t>
+            </a:r>
+            <a:r>
+              <a:rPr lang="uk-UA" sz="1200" dirty="0" err="1"/>
+              <a:t>discount</a:t>
+            </a:r>
+            <a:r>
+              <a:rPr lang="en-US" sz="1200" dirty="0" smtClean="0"/>
+              <a:t>.</a:t>
+            </a:r>
+          </a:p>
+          <a:p>
+            <a:pPr marL="514350" indent="-514350">
+              <a:lnSpc>
+                <a:spcPct val="150000"/>
+              </a:lnSpc>
+              <a:buFont typeface="Arial" panose="020B0604020202020204" pitchFamily="34" charset="0"/>
+              <a:buAutoNum type="arabicPeriod"/>
+            </a:pPr>
+            <a:r>
+              <a:rPr lang="en-US" sz="1200" dirty="0"/>
+              <a:t>Verify that</a:t>
+            </a:r>
+            <a:r>
+              <a:rPr lang="uk-UA" sz="1200" dirty="0"/>
+              <a:t> </a:t>
+            </a:r>
+            <a:r>
+              <a:rPr lang="en-US" sz="1200" dirty="0"/>
+              <a:t>client who have </a:t>
+            </a:r>
+            <a:r>
+              <a:rPr lang="en-US" sz="1200" dirty="0" smtClean="0"/>
+              <a:t>neither </a:t>
+            </a:r>
+            <a:r>
+              <a:rPr lang="uk-UA" sz="1200" dirty="0" err="1" smtClean="0"/>
+              <a:t>discount</a:t>
+            </a:r>
+            <a:r>
+              <a:rPr lang="uk-UA" sz="1200" dirty="0" smtClean="0"/>
+              <a:t> </a:t>
+            </a:r>
+            <a:r>
+              <a:rPr lang="uk-UA" sz="1200" dirty="0" err="1"/>
+              <a:t>card</a:t>
+            </a:r>
+            <a:r>
+              <a:rPr lang="uk-UA" sz="1200" dirty="0"/>
+              <a:t> </a:t>
+            </a:r>
+            <a:r>
+              <a:rPr lang="en-US" sz="1200" dirty="0" smtClean="0"/>
+              <a:t>no </a:t>
+            </a:r>
+            <a:r>
+              <a:rPr lang="en-US" sz="1200" dirty="0"/>
+              <a:t>gift coupon will</a:t>
+            </a:r>
+            <a:r>
+              <a:rPr lang="uk-UA" sz="1200" dirty="0"/>
+              <a:t> </a:t>
+            </a:r>
+            <a:r>
+              <a:rPr lang="en-US" sz="1200" dirty="0" smtClean="0"/>
+              <a:t>not </a:t>
+            </a:r>
+            <a:r>
+              <a:rPr lang="uk-UA" sz="1200" dirty="0" err="1" smtClean="0"/>
+              <a:t>get</a:t>
+            </a:r>
+            <a:r>
+              <a:rPr lang="uk-UA" sz="1200" dirty="0" smtClean="0"/>
+              <a:t> </a:t>
+            </a:r>
+            <a:r>
+              <a:rPr lang="en-US" sz="1200" dirty="0" smtClean="0"/>
+              <a:t>any </a:t>
+            </a:r>
+            <a:r>
+              <a:rPr lang="uk-UA" sz="1200" dirty="0" err="1"/>
+              <a:t>discount</a:t>
+            </a:r>
+            <a:r>
+              <a:rPr lang="en-US" sz="1200" dirty="0" smtClean="0"/>
+              <a:t>.</a:t>
+            </a:r>
+          </a:p>
+          <a:p>
+            <a:pPr marL="514350" indent="-514350">
+              <a:lnSpc>
+                <a:spcPct val="150000"/>
+              </a:lnSpc>
+              <a:buFont typeface="Arial" panose="020B0604020202020204" pitchFamily="34" charset="0"/>
+              <a:buAutoNum type="arabicPeriod"/>
+            </a:pPr>
+            <a:r>
+              <a:rPr lang="en-US" sz="1200" dirty="0"/>
+              <a:t>Verify that</a:t>
+            </a:r>
+            <a:r>
+              <a:rPr lang="uk-UA" sz="1200" dirty="0"/>
+              <a:t> </a:t>
+            </a:r>
+            <a:r>
+              <a:rPr lang="en-US" sz="1200" dirty="0"/>
+              <a:t>client who have</a:t>
+            </a:r>
+            <a:r>
+              <a:rPr lang="uk-UA" sz="1200" dirty="0"/>
+              <a:t> </a:t>
+            </a:r>
+            <a:r>
+              <a:rPr lang="uk-UA" sz="1200" dirty="0" err="1"/>
+              <a:t>discount</a:t>
+            </a:r>
+            <a:r>
+              <a:rPr lang="uk-UA" sz="1200" dirty="0"/>
+              <a:t> </a:t>
+            </a:r>
+            <a:r>
+              <a:rPr lang="uk-UA" sz="1200" dirty="0" err="1"/>
+              <a:t>card</a:t>
+            </a:r>
+            <a:r>
+              <a:rPr lang="uk-UA" sz="1200" dirty="0"/>
+              <a:t> </a:t>
+            </a:r>
+            <a:r>
+              <a:rPr lang="en-US" sz="1200" dirty="0"/>
+              <a:t>with more</a:t>
+            </a:r>
+            <a:r>
+              <a:rPr lang="uk-UA" sz="1200" dirty="0"/>
+              <a:t> </a:t>
+            </a:r>
+            <a:r>
+              <a:rPr lang="uk-UA" sz="1200" dirty="0" err="1"/>
+              <a:t>than</a:t>
+            </a:r>
+            <a:r>
+              <a:rPr lang="uk-UA" sz="1200" dirty="0"/>
+              <a:t> 5 000 </a:t>
+            </a:r>
+            <a:r>
+              <a:rPr lang="uk-UA" sz="1200" dirty="0" err="1"/>
+              <a:t>points</a:t>
+            </a:r>
+            <a:r>
+              <a:rPr lang="uk-UA" sz="1200" dirty="0"/>
+              <a:t> </a:t>
+            </a:r>
+            <a:r>
+              <a:rPr lang="en-US" sz="1200" dirty="0" smtClean="0"/>
+              <a:t>will</a:t>
+            </a:r>
+            <a:r>
+              <a:rPr lang="uk-UA" sz="1200" dirty="0" smtClean="0"/>
+              <a:t> </a:t>
+            </a:r>
+            <a:r>
+              <a:rPr lang="uk-UA" sz="1200" dirty="0" err="1"/>
+              <a:t>get</a:t>
+            </a:r>
+            <a:r>
+              <a:rPr lang="uk-UA" sz="1200" dirty="0"/>
+              <a:t> </a:t>
+            </a:r>
+            <a:r>
+              <a:rPr lang="en-US" sz="1200" dirty="0" smtClean="0"/>
+              <a:t>10% </a:t>
+            </a:r>
+            <a:r>
+              <a:rPr lang="uk-UA" sz="1200" dirty="0" err="1"/>
+              <a:t>discount</a:t>
+            </a:r>
+            <a:r>
+              <a:rPr lang="en-US" sz="1200" dirty="0" smtClean="0"/>
+              <a:t>.</a:t>
+            </a:r>
+          </a:p>
+          <a:p>
+            <a:pPr marL="514350" indent="-514350">
+              <a:buFont typeface="Arial" panose="020B0604020202020204" pitchFamily="34" charset="0"/>
+              <a:buAutoNum type="arabicPeriod"/>
+            </a:pPr>
+            <a:endParaRPr lang="en-US" dirty="0"/>
+          </a:p>
+          <a:p>
+            <a:endParaRPr lang="en-US" dirty="0"/>
+          </a:p>
+          <a:p>
+            <a:pPr marL="514350" indent="-514350">
+              <a:buFont typeface="Arial" panose="020B0604020202020204" pitchFamily="34" charset="0"/>
+              <a:buAutoNum type="arabicPeriod"/>
+            </a:pPr>
+            <a:endParaRPr lang="en-US" dirty="0" smtClean="0"/>
+          </a:p>
+          <a:p>
+            <a:pPr marL="514350" indent="-514350">
+              <a:buFont typeface="Arial" panose="020B0604020202020204" pitchFamily="34" charset="0"/>
+              <a:buAutoNum type="arabicPeriod"/>
+            </a:pPr>
+            <a:endParaRPr lang="en-US" dirty="0"/>
+          </a:p>
+        </p:txBody>
+      </p:sp>
+      <p:sp>
+        <p:nvSpPr>
+          <p:cNvPr id="3" name="Заголовок 2"/>
+          <p:cNvSpPr>
+            <a:spLocks noGrp="1"/>
+          </p:cNvSpPr>
+          <p:nvPr>
+            <p:ph type="title"/>
+          </p:nvPr>
+        </p:nvSpPr>
+        <p:spPr/>
+        <p:txBody>
+          <a:bodyPr/>
+          <a:lstStyle/>
+          <a:p>
+            <a:r>
+              <a:rPr lang="en-US" dirty="0"/>
+              <a:t>Test cases</a:t>
+            </a:r>
+            <a:endParaRPr lang="uk-UA" dirty="0"/>
+          </a:p>
+        </p:txBody>
+      </p:sp>
+      <p:sp>
+        <p:nvSpPr>
+          <p:cNvPr id="4" name="Номер слайда 3"/>
+          <p:cNvSpPr>
+            <a:spLocks noGrp="1"/>
+          </p:cNvSpPr>
+          <p:nvPr>
+            <p:ph type="sldNum" sz="quarter" idx="4"/>
+          </p:nvPr>
+        </p:nvSpPr>
+        <p:spPr/>
+        <p:txBody>
+          <a:bodyPr/>
+          <a:lstStyle/>
+          <a:p>
+            <a:fld id="{AD53D713-3284-4C71-8174-D6528838EBFD}" type="slidenum">
+              <a:rPr lang="uk-UA" smtClean="0"/>
+              <a:pPr/>
+              <a:t>5</a:t>
+            </a:fld>
+            <a:endParaRPr lang="uk-UA"/>
+          </a:p>
+        </p:txBody>
+      </p:sp>
+    </p:spTree>
+    <p:extLst>
+      <p:ext uri="{BB962C8B-B14F-4D97-AF65-F5344CB8AC3E}">
+        <p14:creationId xmlns:p14="http://schemas.microsoft.com/office/powerpoint/2010/main" val="1157953011"/>
+      </p:ext>
+    </p:extLst>
+  </p:cSld>
+  <p:clrMapOvr>
+    <a:masterClrMapping/>
+  </p:clrMapOvr>
+</p:sld>
+</file>
+
+<file path=ppt/slides/slide6.xml><?xml version="1.0" encoding="utf-8"?>
+<p:sld xmlns:a="http://schemas.openxmlformats.org/drawingml/2006/main" xmlns:r="http://schemas.openxmlformats.org/officeDocument/2006/relationships" xmlns:p="http://schemas.openxmlformats.org/presentationml/2006/main">
+  <p:cSld>
+    <p:spTree>
+      <p:nvGrpSpPr>
+        <p:cNvPr id="1" name=""/>
+        <p:cNvGrpSpPr/>
+        <p:nvPr/>
+      </p:nvGrpSpPr>
+      <p:grpSpPr>
+        <a:xfrm>
+          <a:off x="0" y="0"/>
+          <a:ext cx="0" cy="0"/>
+          <a:chOff x="0" y="0"/>
+          <a:chExt cx="0" cy="0"/>
+        </a:xfrm>
+      </p:grpSpPr>
+      <p:sp>
+        <p:nvSpPr>
           <p:cNvPr id="5" name="Content Placeholder 4"/>
           <p:cNvSpPr>
             <a:spLocks noGrp="1"/>
@@ -10808,7 +11470,7 @@
 </p:sld>
 </file>
 
-<file path=ppt/slides/slide6.xml><?xml version="1.0" encoding="utf-8"?>
+<file path=ppt/slides/slide7.xml><?xml version="1.0" encoding="utf-8"?>
 <p:sld xmlns:a="http://schemas.openxmlformats.org/drawingml/2006/main" xmlns:r="http://schemas.openxmlformats.org/officeDocument/2006/relationships" xmlns:p="http://schemas.openxmlformats.org/presentationml/2006/main">
   <p:cSld>
     <p:spTree>
@@ -10983,7 +11645,7 @@
             <a:fld id="{AD53D713-3284-4C71-8174-D6528838EBFD}" type="slidenum">
               <a:rPr lang="uk-UA" smtClean="0"/>
               <a:pPr/>
-              <a:t>6</a:t>
+              <a:t>7</a:t>
             </a:fld>
             <a:endParaRPr lang="uk-UA"/>
           </a:p>
@@ -11002,7 +11664,7 @@
 </p:sld>
 </file>
 
-<file path=ppt/slides/slide7.xml><?xml version="1.0" encoding="utf-8"?>
+<file path=ppt/slides/slide8.xml><?xml version="1.0" encoding="utf-8"?>
 <p:sld xmlns:a="http://schemas.openxmlformats.org/drawingml/2006/main" xmlns:r="http://schemas.openxmlformats.org/officeDocument/2006/relationships" xmlns:p="http://schemas.openxmlformats.org/presentationml/2006/main">
   <p:cSld>
     <p:spTree>
